--- a/Codeasylums-Case Study.pptx
+++ b/Codeasylums-Case Study.pptx
@@ -8,6 +8,7 @@
     <p:sldId id="256" r:id="rId2"/>
     <p:sldId id="257" r:id="rId3"/>
     <p:sldId id="258" r:id="rId4"/>
+    <p:sldId id="259" r:id="rId5"/>
   </p:sldIdLst>
   <p:sldSz cx="12192000" cy="6858000"/>
   <p:notesSz cx="6858000" cy="9144000"/>
@@ -106,6 +107,11 @@
       </a:defRPr>
     </a:lvl9pPr>
   </p:defaultTextStyle>
+  <p:extLst>
+    <p:ext uri="{EFAFB233-063F-42B5-8137-9DF3F51BA10A}">
+      <p15:sldGuideLst xmlns:p15="http://schemas.microsoft.com/office/powerpoint/2012/main"/>
+    </p:ext>
+  </p:extLst>
 </p:presentation>
 </file>
 
@@ -7938,15 +7944,7 @@
             <a:pPr lvl="1"/>
             <a:r>
               <a:rPr lang="en-IN" i="1" dirty="0"/>
-              <a:t>By EDA, its found that problems belonging to </a:t>
-            </a:r>
-            <a:r>
-              <a:rPr lang="en-IN" i="1" dirty="0" err="1"/>
-              <a:t>Implementation,Introduction</a:t>
-            </a:r>
-            <a:r>
-              <a:rPr lang="en-IN" i="1" dirty="0"/>
-              <a:t> and Sorting have the 3 highest number of challenges.</a:t>
+              <a:t>By EDA, its found that problems belonging to Implementation, Introduction and Sorting have the 3 highest number of challenges.</a:t>
             </a:r>
           </a:p>
           <a:p>
@@ -8068,12 +8066,20 @@
             <p:ph type="title"/>
           </p:nvPr>
         </p:nvSpPr>
-        <p:spPr/>
+        <p:spPr>
+          <a:xfrm>
+            <a:off x="2592925" y="624110"/>
+            <a:ext cx="8911687" cy="665428"/>
+          </a:xfrm>
+        </p:spPr>
         <p:txBody>
           <a:bodyPr/>
           <a:lstStyle/>
           <a:p>
-            <a:endParaRPr lang="en-IN"/>
+            <a:r>
+              <a:rPr lang="en-IN" dirty="0"/>
+              <a:t>Submissions:</a:t>
+            </a:r>
           </a:p>
         </p:txBody>
       </p:sp>
@@ -8093,19 +8099,292 @@
             <p:ph idx="1"/>
           </p:nvPr>
         </p:nvSpPr>
-        <p:spPr/>
+        <p:spPr>
+          <a:xfrm>
+            <a:off x="2511058" y="1187938"/>
+            <a:ext cx="8915400" cy="3777622"/>
+          </a:xfrm>
+        </p:spPr>
         <p:txBody>
           <a:bodyPr/>
           <a:lstStyle/>
           <a:p>
-            <a:endParaRPr lang="en-IN"/>
-          </a:p>
-        </p:txBody>
-      </p:sp>
+            <a:r>
+              <a:rPr lang="en-IN" dirty="0"/>
+              <a:t>It contains user data base with the challenges they attempted or solved.</a:t>
+            </a:r>
+          </a:p>
+          <a:p>
+            <a:r>
+              <a:rPr lang="en-IN" dirty="0"/>
+              <a:t>The aim is to use the challenges and submission data to recommend ten challenge ids for each user.</a:t>
+            </a:r>
+          </a:p>
+          <a:p>
+            <a:pPr lvl="1"/>
+            <a:r>
+              <a:rPr lang="en-IN" dirty="0"/>
+              <a:t>By EDA, C++, Java and C were the three most used languages for attempting challenges used.</a:t>
+            </a:r>
+          </a:p>
+          <a:p>
+            <a:pPr lvl="1"/>
+            <a:r>
+              <a:rPr lang="en-IN" dirty="0"/>
+              <a:t>Only Two contest Ids are present on the already existing submission data.</a:t>
+            </a:r>
+          </a:p>
+        </p:txBody>
+      </p:sp>
+      <p:pic>
+        <p:nvPicPr>
+          <p:cNvPr id="4" name="Picture 3">
+            <a:extLst>
+              <a:ext uri="{FF2B5EF4-FFF2-40B4-BE49-F238E27FC236}">
+                <a16:creationId xmlns:a16="http://schemas.microsoft.com/office/drawing/2014/main" id="{3EFAC567-F50D-4569-8D49-C522ACE44E7C}"/>
+              </a:ext>
+            </a:extLst>
+          </p:cNvPr>
+          <p:cNvPicPr>
+            <a:picLocks noChangeAspect="1"/>
+          </p:cNvPicPr>
+          <p:nvPr/>
+        </p:nvPicPr>
+        <p:blipFill>
+          <a:blip r:embed="rId2"/>
+          <a:stretch>
+            <a:fillRect/>
+          </a:stretch>
+        </p:blipFill>
+        <p:spPr>
+          <a:xfrm>
+            <a:off x="2592925" y="3429000"/>
+            <a:ext cx="4554050" cy="3216137"/>
+          </a:xfrm>
+          <a:prstGeom prst="rect">
+            <a:avLst/>
+          </a:prstGeom>
+        </p:spPr>
+      </p:pic>
+      <p:pic>
+        <p:nvPicPr>
+          <p:cNvPr id="5" name="Picture 4">
+            <a:extLst>
+              <a:ext uri="{FF2B5EF4-FFF2-40B4-BE49-F238E27FC236}">
+                <a16:creationId xmlns:a16="http://schemas.microsoft.com/office/drawing/2014/main" id="{97D36849-E447-4CAF-8CC3-ED5002D709C0}"/>
+              </a:ext>
+            </a:extLst>
+          </p:cNvPr>
+          <p:cNvPicPr>
+            <a:picLocks noChangeAspect="1"/>
+          </p:cNvPicPr>
+          <p:nvPr/>
+        </p:nvPicPr>
+        <p:blipFill>
+          <a:blip r:embed="rId3"/>
+          <a:stretch>
+            <a:fillRect/>
+          </a:stretch>
+        </p:blipFill>
+        <p:spPr>
+          <a:xfrm>
+            <a:off x="7385151" y="3350574"/>
+            <a:ext cx="3947158" cy="3338168"/>
+          </a:xfrm>
+          <a:prstGeom prst="rect">
+            <a:avLst/>
+          </a:prstGeom>
+        </p:spPr>
+      </p:pic>
     </p:spTree>
     <p:extLst>
       <p:ext uri="{BB962C8B-B14F-4D97-AF65-F5344CB8AC3E}">
         <p14:creationId xmlns:p14="http://schemas.microsoft.com/office/powerpoint/2010/main" val="741610817"/>
+      </p:ext>
+    </p:extLst>
+  </p:cSld>
+  <p:clrMapOvr>
+    <a:masterClrMapping/>
+  </p:clrMapOvr>
+</p:sld>
+</file>
+
+<file path=ppt/slides/slide4.xml><?xml version="1.0" encoding="utf-8"?>
+<p:sld xmlns:a="http://schemas.openxmlformats.org/drawingml/2006/main" xmlns:r="http://schemas.openxmlformats.org/officeDocument/2006/relationships" xmlns:p="http://schemas.openxmlformats.org/presentationml/2006/main">
+  <p:cSld>
+    <p:spTree>
+      <p:nvGrpSpPr>
+        <p:cNvPr id="1" name=""/>
+        <p:cNvGrpSpPr/>
+        <p:nvPr/>
+      </p:nvGrpSpPr>
+      <p:grpSpPr>
+        <a:xfrm>
+          <a:off x="0" y="0"/>
+          <a:ext cx="0" cy="0"/>
+          <a:chOff x="0" y="0"/>
+          <a:chExt cx="0" cy="0"/>
+        </a:xfrm>
+      </p:grpSpPr>
+      <p:sp>
+        <p:nvSpPr>
+          <p:cNvPr id="2" name="Title 1">
+            <a:extLst>
+              <a:ext uri="{FF2B5EF4-FFF2-40B4-BE49-F238E27FC236}">
+                <a16:creationId xmlns:a16="http://schemas.microsoft.com/office/drawing/2014/main" id="{3F359BC7-2E2C-4D82-84A1-74605D6F4186}"/>
+              </a:ext>
+            </a:extLst>
+          </p:cNvPr>
+          <p:cNvSpPr>
+            <a:spLocks noGrp="1"/>
+          </p:cNvSpPr>
+          <p:nvPr>
+            <p:ph type="title"/>
+          </p:nvPr>
+        </p:nvSpPr>
+        <p:spPr>
+          <a:xfrm>
+            <a:off x="2592925" y="624110"/>
+            <a:ext cx="8911687" cy="634167"/>
+          </a:xfrm>
+        </p:spPr>
+        <p:txBody>
+          <a:bodyPr>
+            <a:normAutofit fontScale="90000"/>
+          </a:bodyPr>
+          <a:lstStyle/>
+          <a:p>
+            <a:r>
+              <a:rPr lang="en-IN" dirty="0"/>
+              <a:t>Some other Charts for reference</a:t>
+            </a:r>
+          </a:p>
+        </p:txBody>
+      </p:sp>
+      <p:pic>
+        <p:nvPicPr>
+          <p:cNvPr id="4" name="Picture 3">
+            <a:extLst>
+              <a:ext uri="{FF2B5EF4-FFF2-40B4-BE49-F238E27FC236}">
+                <a16:creationId xmlns:a16="http://schemas.microsoft.com/office/drawing/2014/main" id="{DF318132-AF41-4EB9-BC0A-33E1F094B2E8}"/>
+              </a:ext>
+            </a:extLst>
+          </p:cNvPr>
+          <p:cNvPicPr>
+            <a:picLocks noChangeAspect="1"/>
+          </p:cNvPicPr>
+          <p:nvPr/>
+        </p:nvPicPr>
+        <p:blipFill>
+          <a:blip r:embed="rId2"/>
+          <a:stretch>
+            <a:fillRect/>
+          </a:stretch>
+        </p:blipFill>
+        <p:spPr>
+          <a:xfrm>
+            <a:off x="2592925" y="1258277"/>
+            <a:ext cx="3987923" cy="3149600"/>
+          </a:xfrm>
+          <a:prstGeom prst="rect">
+            <a:avLst/>
+          </a:prstGeom>
+        </p:spPr>
+      </p:pic>
+      <p:pic>
+        <p:nvPicPr>
+          <p:cNvPr id="5" name="Picture 4">
+            <a:extLst>
+              <a:ext uri="{FF2B5EF4-FFF2-40B4-BE49-F238E27FC236}">
+                <a16:creationId xmlns:a16="http://schemas.microsoft.com/office/drawing/2014/main" id="{3C212F9E-F5C2-4277-81DE-65783DD9F848}"/>
+              </a:ext>
+            </a:extLst>
+          </p:cNvPr>
+          <p:cNvPicPr>
+            <a:picLocks noChangeAspect="1"/>
+          </p:cNvPicPr>
+          <p:nvPr/>
+        </p:nvPicPr>
+        <p:blipFill>
+          <a:blip r:embed="rId3"/>
+          <a:stretch>
+            <a:fillRect/>
+          </a:stretch>
+        </p:blipFill>
+        <p:spPr>
+          <a:xfrm>
+            <a:off x="7413942" y="1258278"/>
+            <a:ext cx="3783233" cy="2985476"/>
+          </a:xfrm>
+          <a:prstGeom prst="rect">
+            <a:avLst/>
+          </a:prstGeom>
+        </p:spPr>
+      </p:pic>
+      <p:pic>
+        <p:nvPicPr>
+          <p:cNvPr id="6" name="Picture 5">
+            <a:extLst>
+              <a:ext uri="{FF2B5EF4-FFF2-40B4-BE49-F238E27FC236}">
+                <a16:creationId xmlns:a16="http://schemas.microsoft.com/office/drawing/2014/main" id="{A9BAD626-9552-4558-8A04-E3D00A2C2404}"/>
+              </a:ext>
+            </a:extLst>
+          </p:cNvPr>
+          <p:cNvPicPr>
+            <a:picLocks noChangeAspect="1"/>
+          </p:cNvPicPr>
+          <p:nvPr/>
+        </p:nvPicPr>
+        <p:blipFill>
+          <a:blip r:embed="rId4"/>
+          <a:stretch>
+            <a:fillRect/>
+          </a:stretch>
+        </p:blipFill>
+        <p:spPr>
+          <a:xfrm>
+            <a:off x="2656277" y="4407877"/>
+            <a:ext cx="4392491" cy="2298773"/>
+          </a:xfrm>
+          <a:prstGeom prst="rect">
+            <a:avLst/>
+          </a:prstGeom>
+        </p:spPr>
+      </p:pic>
+      <p:pic>
+        <p:nvPicPr>
+          <p:cNvPr id="7" name="Picture 6">
+            <a:extLst>
+              <a:ext uri="{FF2B5EF4-FFF2-40B4-BE49-F238E27FC236}">
+                <a16:creationId xmlns:a16="http://schemas.microsoft.com/office/drawing/2014/main" id="{061DC1AC-3DF2-471F-9B1A-A95FAE9B7800}"/>
+              </a:ext>
+            </a:extLst>
+          </p:cNvPr>
+          <p:cNvPicPr>
+            <a:picLocks noChangeAspect="1"/>
+          </p:cNvPicPr>
+          <p:nvPr/>
+        </p:nvPicPr>
+        <p:blipFill>
+          <a:blip r:embed="rId5"/>
+          <a:stretch>
+            <a:fillRect/>
+          </a:stretch>
+        </p:blipFill>
+        <p:spPr>
+          <a:xfrm>
+            <a:off x="7112119" y="4406756"/>
+            <a:ext cx="4990367" cy="2451243"/>
+          </a:xfrm>
+          <a:prstGeom prst="rect">
+            <a:avLst/>
+          </a:prstGeom>
+        </p:spPr>
+      </p:pic>
+    </p:spTree>
+    <p:extLst>
+      <p:ext uri="{BB962C8B-B14F-4D97-AF65-F5344CB8AC3E}">
+        <p14:creationId xmlns:p14="http://schemas.microsoft.com/office/powerpoint/2010/main" val="816511105"/>
       </p:ext>
     </p:extLst>
   </p:cSld>
